--- a/Mushroom_Slides/Mushroom_Final_Presentation.pptx
+++ b/Mushroom_Slides/Mushroom_Final_Presentation.pptx
@@ -7,11 +7,12 @@
   <p:sldIdLst>
     <p:sldId id="256" r:id="rId2"/>
     <p:sldId id="257" r:id="rId3"/>
-    <p:sldId id="258" r:id="rId4"/>
+    <p:sldId id="263" r:id="rId4"/>
     <p:sldId id="262" r:id="rId5"/>
-    <p:sldId id="259" r:id="rId6"/>
-    <p:sldId id="260" r:id="rId7"/>
-    <p:sldId id="261" r:id="rId8"/>
+    <p:sldId id="258" r:id="rId6"/>
+    <p:sldId id="259" r:id="rId7"/>
+    <p:sldId id="260" r:id="rId8"/>
+    <p:sldId id="261" r:id="rId9"/>
   </p:sldIdLst>
   <p:sldSz cx="12192000" cy="6858000"/>
   <p:notesSz cx="6858000" cy="9144000"/>
@@ -630,7 +631,7 @@
           <a:p>
             <a:fld id="{83284890-85D2-4D7B-8EF5-15A9C1DB8F42}" type="datetimeFigureOut">
               <a:rPr lang="en-US" smtClean="0"/>
-              <a:t>6/21/20</a:t>
+              <a:t>6/23/20</a:t>
             </a:fld>
             <a:endParaRPr lang="en-US"/>
           </a:p>
@@ -808,7 +809,7 @@
           <a:p>
             <a:fld id="{87157CC2-0FC8-4686-B024-99790E0F5162}" type="datetimeFigureOut">
               <a:rPr lang="en-US" smtClean="0"/>
-              <a:t>6/21/20</a:t>
+              <a:t>6/23/20</a:t>
             </a:fld>
             <a:endParaRPr lang="en-US"/>
           </a:p>
@@ -988,7 +989,7 @@
           <a:p>
             <a:fld id="{F6764DA5-CD3D-4590-A511-FCD3BC7A793E}" type="datetimeFigureOut">
               <a:rPr lang="en-US" smtClean="0"/>
-              <a:t>6/21/20</a:t>
+              <a:t>6/23/20</a:t>
             </a:fld>
             <a:endParaRPr lang="en-US"/>
           </a:p>
@@ -1158,7 +1159,7 @@
           <a:p>
             <a:fld id="{82F5661D-6934-4B32-B92C-470368BF1EC6}" type="datetimeFigureOut">
               <a:rPr lang="en-US" smtClean="0"/>
-              <a:t>6/21/20</a:t>
+              <a:t>6/23/20</a:t>
             </a:fld>
             <a:endParaRPr lang="en-US"/>
           </a:p>
@@ -1479,7 +1480,7 @@
           <a:p>
             <a:fld id="{C6F822A4-8DA6-4447-9B1F-C5DB58435268}" type="datetimeFigureOut">
               <a:rPr lang="en-US" smtClean="0"/>
-              <a:t>6/21/20</a:t>
+              <a:t>6/23/20</a:t>
             </a:fld>
             <a:endParaRPr lang="en-US" dirty="0"/>
           </a:p>
@@ -1940,7 +1941,7 @@
           <a:p>
             <a:fld id="{E548D31E-DCDA-41A7-9C67-C4B11B94D21D}" type="datetimeFigureOut">
               <a:rPr lang="en-US" smtClean="0"/>
-              <a:t>6/21/20</a:t>
+              <a:t>6/23/20</a:t>
             </a:fld>
             <a:endParaRPr lang="en-US"/>
           </a:p>
@@ -2351,7 +2352,7 @@
           <a:p>
             <a:fld id="{9B3762C0-B258-48F1-ADE6-176B4174CCDD}" type="datetimeFigureOut">
               <a:rPr lang="en-US" smtClean="0"/>
-              <a:t>6/21/20</a:t>
+              <a:t>6/23/20</a:t>
             </a:fld>
             <a:endParaRPr lang="en-US"/>
           </a:p>
@@ -2469,7 +2470,7 @@
           <a:p>
             <a:fld id="{677919A6-33EB-49BD-A62F-1FA56B9F9712}" type="datetimeFigureOut">
               <a:rPr lang="en-US" smtClean="0"/>
-              <a:t>6/21/20</a:t>
+              <a:t>6/23/20</a:t>
             </a:fld>
             <a:endParaRPr lang="en-US"/>
           </a:p>
@@ -2586,7 +2587,7 @@
           <a:p>
             <a:fld id="{CA4E7D1B-D673-4CF6-8672-009D42ABD2A0}" type="datetimeFigureOut">
               <a:rPr lang="en-US" smtClean="0"/>
-              <a:t>6/21/20</a:t>
+              <a:t>6/23/20</a:t>
             </a:fld>
             <a:endParaRPr lang="en-US"/>
           </a:p>
@@ -2944,7 +2945,7 @@
           <a:p>
             <a:fld id="{DA16AA21-1863-4931-97CB-99D0A168701B}" type="datetimeFigureOut">
               <a:rPr lang="en-US" smtClean="0"/>
-              <a:t>6/21/20</a:t>
+              <a:t>6/23/20</a:t>
             </a:fld>
             <a:endParaRPr lang="en-US"/>
           </a:p>
@@ -3451,7 +3452,7 @@
           <a:p>
             <a:fld id="{3772C379-9A7C-4C87-A116-CBE9F58B04C5}" type="datetimeFigureOut">
               <a:rPr lang="en-US" smtClean="0"/>
-              <a:t>6/21/20</a:t>
+              <a:t>6/23/20</a:t>
             </a:fld>
             <a:endParaRPr lang="en-US"/>
           </a:p>
@@ -3806,7 +3807,7 @@
           <a:p>
             <a:fld id="{8664C608-40B1-4030-A28D-5B74BC98ADCE}" type="datetimeFigureOut">
               <a:rPr lang="en-US" smtClean="0"/>
-              <a:t>6/21/20</a:t>
+              <a:t>6/23/20</a:t>
             </a:fld>
             <a:endParaRPr lang="en-US" dirty="0"/>
           </a:p>
@@ -4487,7 +4488,7 @@
             <a:pPr algn="ctr"/>
             <a:r>
               <a:rPr lang="en-US" dirty="0"/>
-              <a:t>Detecting Poisonous Mushrooms </a:t>
+              <a:t>Detecting Poisonous &amp; Edible Mushrooms </a:t>
             </a:r>
           </a:p>
         </p:txBody>
@@ -4516,13 +4517,13 @@
         </p:spPr>
         <p:txBody>
           <a:bodyPr>
-            <a:normAutofit fontScale="70000" lnSpcReduction="20000"/>
+            <a:normAutofit fontScale="55000" lnSpcReduction="20000"/>
           </a:bodyPr>
           <a:lstStyle/>
           <a:p>
             <a:r>
               <a:rPr lang="en-US" dirty="0"/>
-              <a:t>By Sophie @ BrainStation 2020</a:t>
+              <a:t>By Sophie Ngo @ BrainStation 2020</a:t>
             </a:r>
           </a:p>
         </p:txBody>
@@ -4793,7 +4794,7 @@
           <p:cNvPr id="2" name="Title 1">
             <a:extLst>
               <a:ext uri="{FF2B5EF4-FFF2-40B4-BE49-F238E27FC236}">
-                <a16:creationId xmlns:a16="http://schemas.microsoft.com/office/drawing/2014/main" id="{E2BAD1BF-7EA1-1442-AF3B-1E51A4559B49}"/>
+                <a16:creationId xmlns:a16="http://schemas.microsoft.com/office/drawing/2014/main" id="{016D02CF-9C0D-9E41-A9E3-3524AD845B28}"/>
               </a:ext>
             </a:extLst>
           </p:cNvPr>
@@ -4804,386 +4805,35 @@
             <p:ph type="title"/>
           </p:nvPr>
         </p:nvSpPr>
-        <p:spPr>
-          <a:xfrm>
-            <a:off x="1509811" y="80904"/>
-            <a:ext cx="10058400" cy="1609344"/>
-          </a:xfrm>
-        </p:spPr>
-        <p:txBody>
-          <a:bodyPr/>
-          <a:lstStyle/>
-          <a:p>
-            <a:r>
-              <a:rPr lang="en-US" dirty="0"/>
-              <a:t>CNN and changing the threshold</a:t>
-            </a:r>
-          </a:p>
-        </p:txBody>
-      </p:sp>
-      <p:sp>
-        <p:nvSpPr>
-          <p:cNvPr id="7" name="TextBox 6">
+        <p:spPr/>
+        <p:txBody>
+          <a:bodyPr>
+            <a:normAutofit/>
+          </a:bodyPr>
+          <a:lstStyle/>
+          <a:p>
+            <a:r>
+              <a:rPr lang="en-US" sz="4800" dirty="0"/>
+              <a:t>A few Different Family of Mushrooms</a:t>
+            </a:r>
+          </a:p>
+        </p:txBody>
+      </p:sp>
+      <p:pic>
+        <p:nvPicPr>
+          <p:cNvPr id="4" name="Content Placeholder 3">
             <a:extLst>
               <a:ext uri="{FF2B5EF4-FFF2-40B4-BE49-F238E27FC236}">
-                <a16:creationId xmlns:a16="http://schemas.microsoft.com/office/drawing/2014/main" id="{551D8EDC-61AB-BC47-B300-7B7E988BAAFE}"/>
-              </a:ext>
-            </a:extLst>
-          </p:cNvPr>
-          <p:cNvSpPr txBox="1"/>
-          <p:nvPr/>
-        </p:nvSpPr>
-        <p:spPr>
-          <a:xfrm>
-            <a:off x="366811" y="4217459"/>
-            <a:ext cx="1092819" cy="523220"/>
-          </a:xfrm>
-          <a:prstGeom prst="rect">
-            <a:avLst/>
-          </a:prstGeom>
-          <a:noFill/>
-        </p:spPr>
-        <p:txBody>
-          <a:bodyPr wrap="square" rtlCol="0">
-            <a:spAutoFit/>
-          </a:bodyPr>
-          <a:lstStyle/>
-          <a:p>
-            <a:r>
-              <a:rPr lang="en-US" sz="1400" i="1" dirty="0"/>
-              <a:t>Actually Poisonous</a:t>
-            </a:r>
-          </a:p>
-        </p:txBody>
-      </p:sp>
-      <p:sp>
-        <p:nvSpPr>
-          <p:cNvPr id="8" name="TextBox 7">
-            <a:extLst>
-              <a:ext uri="{FF2B5EF4-FFF2-40B4-BE49-F238E27FC236}">
-                <a16:creationId xmlns:a16="http://schemas.microsoft.com/office/drawing/2014/main" id="{1CB7FCE1-4E1D-1844-99BE-BFC59CCE0BEA}"/>
-              </a:ext>
-            </a:extLst>
-          </p:cNvPr>
-          <p:cNvSpPr txBox="1"/>
-          <p:nvPr/>
-        </p:nvSpPr>
-        <p:spPr>
-          <a:xfrm>
-            <a:off x="316631" y="3005343"/>
-            <a:ext cx="1193180" cy="523221"/>
-          </a:xfrm>
-          <a:prstGeom prst="rect">
-            <a:avLst/>
-          </a:prstGeom>
-          <a:noFill/>
-        </p:spPr>
-        <p:txBody>
-          <a:bodyPr wrap="square" rtlCol="0">
-            <a:spAutoFit/>
-          </a:bodyPr>
-          <a:lstStyle/>
-          <a:p>
-            <a:r>
-              <a:rPr lang="en-US" sz="1400" i="1" dirty="0"/>
-              <a:t>Actually Not Poisonous</a:t>
-            </a:r>
-          </a:p>
-        </p:txBody>
-      </p:sp>
-      <p:sp>
-        <p:nvSpPr>
-          <p:cNvPr id="9" name="TextBox 8">
-            <a:extLst>
-              <a:ext uri="{FF2B5EF4-FFF2-40B4-BE49-F238E27FC236}">
-                <a16:creationId xmlns:a16="http://schemas.microsoft.com/office/drawing/2014/main" id="{0E856C29-8422-404E-A0C6-896D6916A6A9}"/>
-              </a:ext>
-            </a:extLst>
-          </p:cNvPr>
-          <p:cNvSpPr txBox="1"/>
-          <p:nvPr/>
-        </p:nvSpPr>
-        <p:spPr>
-          <a:xfrm>
-            <a:off x="1749165" y="2090524"/>
-            <a:ext cx="1714741" cy="523220"/>
-          </a:xfrm>
-          <a:prstGeom prst="rect">
-            <a:avLst/>
-          </a:prstGeom>
-          <a:noFill/>
-        </p:spPr>
-        <p:txBody>
-          <a:bodyPr wrap="square" rtlCol="0">
-            <a:spAutoFit/>
-          </a:bodyPr>
-          <a:lstStyle/>
-          <a:p>
-            <a:r>
-              <a:rPr lang="en-US" sz="1400" i="1" dirty="0"/>
-              <a:t>Predicted Not Poisonous</a:t>
-            </a:r>
-          </a:p>
-        </p:txBody>
-      </p:sp>
-      <p:sp>
-        <p:nvSpPr>
-          <p:cNvPr id="10" name="TextBox 9">
-            <a:extLst>
-              <a:ext uri="{FF2B5EF4-FFF2-40B4-BE49-F238E27FC236}">
-                <a16:creationId xmlns:a16="http://schemas.microsoft.com/office/drawing/2014/main" id="{F453E435-2540-FB41-8B9E-B3994D6DEFCC}"/>
-              </a:ext>
-            </a:extLst>
-          </p:cNvPr>
-          <p:cNvSpPr txBox="1"/>
-          <p:nvPr/>
-        </p:nvSpPr>
-        <p:spPr>
-          <a:xfrm>
-            <a:off x="3352097" y="2095759"/>
-            <a:ext cx="1425968" cy="523220"/>
-          </a:xfrm>
-          <a:prstGeom prst="rect">
-            <a:avLst/>
-          </a:prstGeom>
-          <a:noFill/>
-        </p:spPr>
-        <p:txBody>
-          <a:bodyPr wrap="square" rtlCol="0">
-            <a:spAutoFit/>
-          </a:bodyPr>
-          <a:lstStyle/>
-          <a:p>
-            <a:r>
-              <a:rPr lang="en-US" sz="1400" i="1" dirty="0"/>
-              <a:t>Predicted Poisonous</a:t>
-            </a:r>
-          </a:p>
-        </p:txBody>
-      </p:sp>
-      <p:sp>
-        <p:nvSpPr>
-          <p:cNvPr id="11" name="TextBox 10">
-            <a:extLst>
-              <a:ext uri="{FF2B5EF4-FFF2-40B4-BE49-F238E27FC236}">
-                <a16:creationId xmlns:a16="http://schemas.microsoft.com/office/drawing/2014/main" id="{2748BB00-2E5F-B645-8A79-04A61F83E720}"/>
-              </a:ext>
-            </a:extLst>
-          </p:cNvPr>
-          <p:cNvSpPr txBox="1"/>
-          <p:nvPr/>
-        </p:nvSpPr>
-        <p:spPr>
-          <a:xfrm>
-            <a:off x="5709181" y="3005342"/>
-            <a:ext cx="1193180" cy="523221"/>
-          </a:xfrm>
-          <a:prstGeom prst="rect">
-            <a:avLst/>
-          </a:prstGeom>
-          <a:noFill/>
-        </p:spPr>
-        <p:txBody>
-          <a:bodyPr wrap="square" rtlCol="0">
-            <a:spAutoFit/>
-          </a:bodyPr>
-          <a:lstStyle/>
-          <a:p>
-            <a:r>
-              <a:rPr lang="en-US" sz="1400" i="1" dirty="0"/>
-              <a:t>Actually Not Poisonous</a:t>
-            </a:r>
-          </a:p>
-        </p:txBody>
-      </p:sp>
-      <p:sp>
-        <p:nvSpPr>
-          <p:cNvPr id="12" name="TextBox 11">
-            <a:extLst>
-              <a:ext uri="{FF2B5EF4-FFF2-40B4-BE49-F238E27FC236}">
-                <a16:creationId xmlns:a16="http://schemas.microsoft.com/office/drawing/2014/main" id="{AA186C15-20F1-904B-B904-D4CCC22CEE11}"/>
-              </a:ext>
-            </a:extLst>
-          </p:cNvPr>
-          <p:cNvSpPr txBox="1"/>
-          <p:nvPr/>
-        </p:nvSpPr>
-        <p:spPr>
-          <a:xfrm>
-            <a:off x="5745924" y="4217459"/>
-            <a:ext cx="1092819" cy="523220"/>
-          </a:xfrm>
-          <a:prstGeom prst="rect">
-            <a:avLst/>
-          </a:prstGeom>
-          <a:noFill/>
-        </p:spPr>
-        <p:txBody>
-          <a:bodyPr wrap="square" rtlCol="0">
-            <a:spAutoFit/>
-          </a:bodyPr>
-          <a:lstStyle/>
-          <a:p>
-            <a:r>
-              <a:rPr lang="en-US" sz="1400" i="1" dirty="0"/>
-              <a:t>Actually Poisonous</a:t>
-            </a:r>
-          </a:p>
-        </p:txBody>
-      </p:sp>
-      <p:sp>
-        <p:nvSpPr>
-          <p:cNvPr id="13" name="TextBox 12">
-            <a:extLst>
-              <a:ext uri="{FF2B5EF4-FFF2-40B4-BE49-F238E27FC236}">
-                <a16:creationId xmlns:a16="http://schemas.microsoft.com/office/drawing/2014/main" id="{85CA388A-3DC0-E64D-A332-C23A5BB73925}"/>
-              </a:ext>
-            </a:extLst>
-          </p:cNvPr>
-          <p:cNvSpPr txBox="1"/>
-          <p:nvPr/>
-        </p:nvSpPr>
-        <p:spPr>
-          <a:xfrm>
-            <a:off x="8808480" y="2059413"/>
-            <a:ext cx="1425968" cy="523220"/>
-          </a:xfrm>
-          <a:prstGeom prst="rect">
-            <a:avLst/>
-          </a:prstGeom>
-          <a:noFill/>
-        </p:spPr>
-        <p:txBody>
-          <a:bodyPr wrap="square" rtlCol="0">
-            <a:spAutoFit/>
-          </a:bodyPr>
-          <a:lstStyle/>
-          <a:p>
-            <a:r>
-              <a:rPr lang="en-US" sz="1400" i="1" dirty="0"/>
-              <a:t>Predicted Poisonous</a:t>
-            </a:r>
-          </a:p>
-        </p:txBody>
-      </p:sp>
-      <p:sp>
-        <p:nvSpPr>
-          <p:cNvPr id="14" name="TextBox 13">
-            <a:extLst>
-              <a:ext uri="{FF2B5EF4-FFF2-40B4-BE49-F238E27FC236}">
-                <a16:creationId xmlns:a16="http://schemas.microsoft.com/office/drawing/2014/main" id="{D213EA4B-FAB8-3744-A5FB-826FF5B3B15F}"/>
-              </a:ext>
-            </a:extLst>
-          </p:cNvPr>
-          <p:cNvSpPr txBox="1"/>
-          <p:nvPr/>
-        </p:nvSpPr>
-        <p:spPr>
-          <a:xfrm>
-            <a:off x="7134866" y="2059413"/>
-            <a:ext cx="1714741" cy="523220"/>
-          </a:xfrm>
-          <a:prstGeom prst="rect">
-            <a:avLst/>
-          </a:prstGeom>
-          <a:noFill/>
-        </p:spPr>
-        <p:txBody>
-          <a:bodyPr wrap="square" rtlCol="0">
-            <a:spAutoFit/>
-          </a:bodyPr>
-          <a:lstStyle/>
-          <a:p>
-            <a:r>
-              <a:rPr lang="en-US" sz="1400" i="1" dirty="0"/>
-              <a:t>Predicted Not Poisonous</a:t>
-            </a:r>
-          </a:p>
-        </p:txBody>
-      </p:sp>
-      <p:sp>
-        <p:nvSpPr>
-          <p:cNvPr id="15" name="TextBox 14">
-            <a:extLst>
-              <a:ext uri="{FF2B5EF4-FFF2-40B4-BE49-F238E27FC236}">
-                <a16:creationId xmlns:a16="http://schemas.microsoft.com/office/drawing/2014/main" id="{715E85C4-F031-4B45-B9C2-866969C6F07A}"/>
-              </a:ext>
-            </a:extLst>
-          </p:cNvPr>
-          <p:cNvSpPr txBox="1"/>
-          <p:nvPr/>
-        </p:nvSpPr>
-        <p:spPr>
-          <a:xfrm>
-            <a:off x="1664418" y="1659637"/>
-            <a:ext cx="3598975" cy="338554"/>
-          </a:xfrm>
-          <a:prstGeom prst="rect">
-            <a:avLst/>
-          </a:prstGeom>
-          <a:noFill/>
-        </p:spPr>
-        <p:txBody>
-          <a:bodyPr wrap="square" rtlCol="0">
-            <a:spAutoFit/>
-          </a:bodyPr>
-          <a:lstStyle/>
-          <a:p>
-            <a:r>
-              <a:rPr lang="en-US" sz="1600" b="1" dirty="0"/>
-              <a:t>Before Changing the Threshold</a:t>
-            </a:r>
-          </a:p>
-        </p:txBody>
-      </p:sp>
-      <p:sp>
-        <p:nvSpPr>
-          <p:cNvPr id="16" name="TextBox 15">
-            <a:extLst>
-              <a:ext uri="{FF2B5EF4-FFF2-40B4-BE49-F238E27FC236}">
-                <a16:creationId xmlns:a16="http://schemas.microsoft.com/office/drawing/2014/main" id="{E9AE6C71-9DC5-7C42-A3B2-3EAAC95CA628}"/>
-              </a:ext>
-            </a:extLst>
-          </p:cNvPr>
-          <p:cNvSpPr txBox="1"/>
-          <p:nvPr/>
-        </p:nvSpPr>
-        <p:spPr>
-          <a:xfrm>
-            <a:off x="7039009" y="1659637"/>
-            <a:ext cx="3598975" cy="338554"/>
-          </a:xfrm>
-          <a:prstGeom prst="rect">
-            <a:avLst/>
-          </a:prstGeom>
-          <a:noFill/>
-        </p:spPr>
-        <p:txBody>
-          <a:bodyPr wrap="square" rtlCol="0">
-            <a:spAutoFit/>
-          </a:bodyPr>
-          <a:lstStyle/>
-          <a:p>
-            <a:r>
-              <a:rPr lang="en-US" sz="1600" b="1" dirty="0"/>
-              <a:t>After Changing the Threshold</a:t>
-            </a:r>
-          </a:p>
-        </p:txBody>
-      </p:sp>
-      <p:pic>
-        <p:nvPicPr>
-          <p:cNvPr id="21" name="Picture 20">
-            <a:extLst>
-              <a:ext uri="{FF2B5EF4-FFF2-40B4-BE49-F238E27FC236}">
-                <a16:creationId xmlns:a16="http://schemas.microsoft.com/office/drawing/2014/main" id="{0D1344BB-4E78-5146-8283-425C10EAC1E9}"/>
+                <a16:creationId xmlns:a16="http://schemas.microsoft.com/office/drawing/2014/main" id="{1A0CD22F-A5A8-6E45-8C86-5E166994634A}"/>
               </a:ext>
             </a:extLst>
           </p:cNvPr>
           <p:cNvPicPr>
-            <a:picLocks noChangeAspect="1"/>
+            <a:picLocks noGrp="1" noChangeAspect="1"/>
           </p:cNvPicPr>
-          <p:nvPr/>
+          <p:nvPr>
+            <p:ph idx="1"/>
+          </p:nvPr>
         </p:nvPicPr>
         <p:blipFill>
           <a:blip r:embed="rId2"/>
@@ -5193,8 +4843,8 @@
         </p:blipFill>
         <p:spPr>
           <a:xfrm>
-            <a:off x="1594052" y="5519795"/>
-            <a:ext cx="3530600" cy="736600"/>
+            <a:off x="1069848" y="2093976"/>
+            <a:ext cx="4953000" cy="3632200"/>
           </a:xfrm>
           <a:prstGeom prst="rect">
             <a:avLst/>
@@ -5203,10 +4853,10 @@
       </p:pic>
       <p:pic>
         <p:nvPicPr>
-          <p:cNvPr id="22" name="Picture 21">
+          <p:cNvPr id="5" name="Picture 4">
             <a:extLst>
               <a:ext uri="{FF2B5EF4-FFF2-40B4-BE49-F238E27FC236}">
-                <a16:creationId xmlns:a16="http://schemas.microsoft.com/office/drawing/2014/main" id="{F3981486-98BA-C444-A494-F864A0BDD785}"/>
+                <a16:creationId xmlns:a16="http://schemas.microsoft.com/office/drawing/2014/main" id="{72E341E1-0EF0-FD47-BAF1-C0D6A977DF2B}"/>
               </a:ext>
             </a:extLst>
           </p:cNvPr>
@@ -5223,98 +4873,8 @@
         </p:blipFill>
         <p:spPr>
           <a:xfrm>
-            <a:off x="7039009" y="5519795"/>
-            <a:ext cx="4013200" cy="800100"/>
-          </a:xfrm>
-          <a:prstGeom prst="rect">
-            <a:avLst/>
-          </a:prstGeom>
-        </p:spPr>
-      </p:pic>
-      <p:pic>
-        <p:nvPicPr>
-          <p:cNvPr id="23" name="Picture 22">
-            <a:extLst>
-              <a:ext uri="{FF2B5EF4-FFF2-40B4-BE49-F238E27FC236}">
-                <a16:creationId xmlns:a16="http://schemas.microsoft.com/office/drawing/2014/main" id="{0BEB6F49-5246-3743-81E5-67885F1C04A7}"/>
-              </a:ext>
-            </a:extLst>
-          </p:cNvPr>
-          <p:cNvPicPr>
-            <a:picLocks noChangeAspect="1"/>
-          </p:cNvPicPr>
-          <p:nvPr/>
-        </p:nvPicPr>
-        <p:blipFill>
-          <a:blip r:embed="rId4"/>
-          <a:stretch>
-            <a:fillRect/>
-          </a:stretch>
-        </p:blipFill>
-        <p:spPr>
-          <a:xfrm>
-            <a:off x="1394875" y="2552022"/>
-            <a:ext cx="3821042" cy="2790649"/>
-          </a:xfrm>
-          <a:prstGeom prst="rect">
-            <a:avLst/>
-          </a:prstGeom>
-        </p:spPr>
-      </p:pic>
-      <p:pic>
-        <p:nvPicPr>
-          <p:cNvPr id="26" name="Picture 25">
-            <a:extLst>
-              <a:ext uri="{FF2B5EF4-FFF2-40B4-BE49-F238E27FC236}">
-                <a16:creationId xmlns:a16="http://schemas.microsoft.com/office/drawing/2014/main" id="{9B0C62BC-14B7-3041-B18D-5B662F320F06}"/>
-              </a:ext>
-            </a:extLst>
-          </p:cNvPr>
-          <p:cNvPicPr>
-            <a:picLocks noChangeAspect="1"/>
-          </p:cNvPicPr>
-          <p:nvPr/>
-        </p:nvPicPr>
-        <p:blipFill>
-          <a:blip r:embed="rId5"/>
-          <a:stretch>
-            <a:fillRect/>
-          </a:stretch>
-        </p:blipFill>
-        <p:spPr>
-          <a:xfrm>
-            <a:off x="6836718" y="2552022"/>
-            <a:ext cx="3801266" cy="2692563"/>
-          </a:xfrm>
-          <a:prstGeom prst="rect">
-            <a:avLst/>
-          </a:prstGeom>
-        </p:spPr>
-      </p:pic>
-      <p:pic>
-        <p:nvPicPr>
-          <p:cNvPr id="27" name="Picture 26">
-            <a:extLst>
-              <a:ext uri="{FF2B5EF4-FFF2-40B4-BE49-F238E27FC236}">
-                <a16:creationId xmlns:a16="http://schemas.microsoft.com/office/drawing/2014/main" id="{0A46053B-A9C3-BC43-9BE6-EEE06F478D20}"/>
-              </a:ext>
-            </a:extLst>
-          </p:cNvPr>
-          <p:cNvPicPr>
-            <a:picLocks noChangeAspect="1"/>
-          </p:cNvPicPr>
-          <p:nvPr/>
-        </p:nvPicPr>
-        <p:blipFill>
-          <a:blip r:embed="rId5"/>
-          <a:stretch>
-            <a:fillRect/>
-          </a:stretch>
-        </p:blipFill>
-        <p:spPr>
-          <a:xfrm>
-            <a:off x="6818849" y="2531986"/>
-            <a:ext cx="3801266" cy="2692563"/>
+            <a:off x="6022848" y="2284476"/>
+            <a:ext cx="4978400" cy="3441700"/>
           </a:xfrm>
           <a:prstGeom prst="rect">
             <a:avLst/>
@@ -5324,7 +4884,7 @@
     </p:spTree>
     <p:extLst>
       <p:ext uri="{BB962C8B-B14F-4D97-AF65-F5344CB8AC3E}">
-        <p14:creationId xmlns:p14="http://schemas.microsoft.com/office/powerpoint/2010/main" val="4059130581"/>
+        <p14:creationId xmlns:p14="http://schemas.microsoft.com/office/powerpoint/2010/main" val="1159658705"/>
       </p:ext>
     </p:extLst>
   </p:cSld>
@@ -5404,7 +4964,7 @@
           <a:p>
             <a:r>
               <a:rPr lang="en-US" dirty="0"/>
-              <a:t>TWo type of Mushrooms Evaluation</a:t>
+              <a:t>TWo type of Mushrooms</a:t>
             </a:r>
           </a:p>
         </p:txBody>
@@ -5476,7 +5036,7 @@
           <p:cNvPr id="2" name="Title 1">
             <a:extLst>
               <a:ext uri="{FF2B5EF4-FFF2-40B4-BE49-F238E27FC236}">
-                <a16:creationId xmlns:a16="http://schemas.microsoft.com/office/drawing/2014/main" id="{BFD8B339-DBDD-D443-8B52-4B332403754A}"/>
+                <a16:creationId xmlns:a16="http://schemas.microsoft.com/office/drawing/2014/main" id="{E2BAD1BF-7EA1-1442-AF3B-1E51A4559B49}"/>
               </a:ext>
             </a:extLst>
           </p:cNvPr>
@@ -5487,33 +5047,386 @@
             <p:ph type="title"/>
           </p:nvPr>
         </p:nvSpPr>
-        <p:spPr/>
+        <p:spPr>
+          <a:xfrm>
+            <a:off x="1509811" y="80904"/>
+            <a:ext cx="10058400" cy="1609344"/>
+          </a:xfrm>
+        </p:spPr>
         <p:txBody>
           <a:bodyPr/>
           <a:lstStyle/>
           <a:p>
             <a:r>
               <a:rPr lang="en-US" dirty="0"/>
-              <a:t>Augmented Images </a:t>
+              <a:t>CNN and changing the threshold</a:t>
+            </a:r>
+          </a:p>
+        </p:txBody>
+      </p:sp>
+      <p:sp>
+        <p:nvSpPr>
+          <p:cNvPr id="7" name="TextBox 6">
+            <a:extLst>
+              <a:ext uri="{FF2B5EF4-FFF2-40B4-BE49-F238E27FC236}">
+                <a16:creationId xmlns:a16="http://schemas.microsoft.com/office/drawing/2014/main" id="{551D8EDC-61AB-BC47-B300-7B7E988BAAFE}"/>
+              </a:ext>
+            </a:extLst>
+          </p:cNvPr>
+          <p:cNvSpPr txBox="1"/>
+          <p:nvPr/>
+        </p:nvSpPr>
+        <p:spPr>
+          <a:xfrm>
+            <a:off x="366811" y="4217459"/>
+            <a:ext cx="1092819" cy="523220"/>
+          </a:xfrm>
+          <a:prstGeom prst="rect">
+            <a:avLst/>
+          </a:prstGeom>
+          <a:noFill/>
+        </p:spPr>
+        <p:txBody>
+          <a:bodyPr wrap="square" rtlCol="0">
+            <a:spAutoFit/>
+          </a:bodyPr>
+          <a:lstStyle/>
+          <a:p>
+            <a:r>
+              <a:rPr lang="en-US" sz="1400" i="1" dirty="0"/>
+              <a:t>Actually Poisonous</a:t>
+            </a:r>
+          </a:p>
+        </p:txBody>
+      </p:sp>
+      <p:sp>
+        <p:nvSpPr>
+          <p:cNvPr id="8" name="TextBox 7">
+            <a:extLst>
+              <a:ext uri="{FF2B5EF4-FFF2-40B4-BE49-F238E27FC236}">
+                <a16:creationId xmlns:a16="http://schemas.microsoft.com/office/drawing/2014/main" id="{1CB7FCE1-4E1D-1844-99BE-BFC59CCE0BEA}"/>
+              </a:ext>
+            </a:extLst>
+          </p:cNvPr>
+          <p:cNvSpPr txBox="1"/>
+          <p:nvPr/>
+        </p:nvSpPr>
+        <p:spPr>
+          <a:xfrm>
+            <a:off x="316631" y="3005343"/>
+            <a:ext cx="1193180" cy="523221"/>
+          </a:xfrm>
+          <a:prstGeom prst="rect">
+            <a:avLst/>
+          </a:prstGeom>
+          <a:noFill/>
+        </p:spPr>
+        <p:txBody>
+          <a:bodyPr wrap="square" rtlCol="0">
+            <a:spAutoFit/>
+          </a:bodyPr>
+          <a:lstStyle/>
+          <a:p>
+            <a:r>
+              <a:rPr lang="en-US" sz="1400" i="1" dirty="0"/>
+              <a:t>Actually Not Poisonous</a:t>
+            </a:r>
+          </a:p>
+        </p:txBody>
+      </p:sp>
+      <p:sp>
+        <p:nvSpPr>
+          <p:cNvPr id="9" name="TextBox 8">
+            <a:extLst>
+              <a:ext uri="{FF2B5EF4-FFF2-40B4-BE49-F238E27FC236}">
+                <a16:creationId xmlns:a16="http://schemas.microsoft.com/office/drawing/2014/main" id="{0E856C29-8422-404E-A0C6-896D6916A6A9}"/>
+              </a:ext>
+            </a:extLst>
+          </p:cNvPr>
+          <p:cNvSpPr txBox="1"/>
+          <p:nvPr/>
+        </p:nvSpPr>
+        <p:spPr>
+          <a:xfrm>
+            <a:off x="1749165" y="2090524"/>
+            <a:ext cx="1714741" cy="523220"/>
+          </a:xfrm>
+          <a:prstGeom prst="rect">
+            <a:avLst/>
+          </a:prstGeom>
+          <a:noFill/>
+        </p:spPr>
+        <p:txBody>
+          <a:bodyPr wrap="square" rtlCol="0">
+            <a:spAutoFit/>
+          </a:bodyPr>
+          <a:lstStyle/>
+          <a:p>
+            <a:r>
+              <a:rPr lang="en-US" sz="1400" i="1" dirty="0"/>
+              <a:t>Predicted Not Poisonous</a:t>
+            </a:r>
+          </a:p>
+        </p:txBody>
+      </p:sp>
+      <p:sp>
+        <p:nvSpPr>
+          <p:cNvPr id="10" name="TextBox 9">
+            <a:extLst>
+              <a:ext uri="{FF2B5EF4-FFF2-40B4-BE49-F238E27FC236}">
+                <a16:creationId xmlns:a16="http://schemas.microsoft.com/office/drawing/2014/main" id="{F453E435-2540-FB41-8B9E-B3994D6DEFCC}"/>
+              </a:ext>
+            </a:extLst>
+          </p:cNvPr>
+          <p:cNvSpPr txBox="1"/>
+          <p:nvPr/>
+        </p:nvSpPr>
+        <p:spPr>
+          <a:xfrm>
+            <a:off x="3352097" y="2095759"/>
+            <a:ext cx="1425968" cy="523220"/>
+          </a:xfrm>
+          <a:prstGeom prst="rect">
+            <a:avLst/>
+          </a:prstGeom>
+          <a:noFill/>
+        </p:spPr>
+        <p:txBody>
+          <a:bodyPr wrap="square" rtlCol="0">
+            <a:spAutoFit/>
+          </a:bodyPr>
+          <a:lstStyle/>
+          <a:p>
+            <a:r>
+              <a:rPr lang="en-US" sz="1400" i="1" dirty="0"/>
+              <a:t>Predicted Poisonous</a:t>
+            </a:r>
+          </a:p>
+        </p:txBody>
+      </p:sp>
+      <p:sp>
+        <p:nvSpPr>
+          <p:cNvPr id="11" name="TextBox 10">
+            <a:extLst>
+              <a:ext uri="{FF2B5EF4-FFF2-40B4-BE49-F238E27FC236}">
+                <a16:creationId xmlns:a16="http://schemas.microsoft.com/office/drawing/2014/main" id="{2748BB00-2E5F-B645-8A79-04A61F83E720}"/>
+              </a:ext>
+            </a:extLst>
+          </p:cNvPr>
+          <p:cNvSpPr txBox="1"/>
+          <p:nvPr/>
+        </p:nvSpPr>
+        <p:spPr>
+          <a:xfrm>
+            <a:off x="5709181" y="3005342"/>
+            <a:ext cx="1193180" cy="523221"/>
+          </a:xfrm>
+          <a:prstGeom prst="rect">
+            <a:avLst/>
+          </a:prstGeom>
+          <a:noFill/>
+        </p:spPr>
+        <p:txBody>
+          <a:bodyPr wrap="square" rtlCol="0">
+            <a:spAutoFit/>
+          </a:bodyPr>
+          <a:lstStyle/>
+          <a:p>
+            <a:r>
+              <a:rPr lang="en-US" sz="1400" i="1" dirty="0"/>
+              <a:t>Actually Not Poisonous</a:t>
+            </a:r>
+          </a:p>
+        </p:txBody>
+      </p:sp>
+      <p:sp>
+        <p:nvSpPr>
+          <p:cNvPr id="12" name="TextBox 11">
+            <a:extLst>
+              <a:ext uri="{FF2B5EF4-FFF2-40B4-BE49-F238E27FC236}">
+                <a16:creationId xmlns:a16="http://schemas.microsoft.com/office/drawing/2014/main" id="{AA186C15-20F1-904B-B904-D4CCC22CEE11}"/>
+              </a:ext>
+            </a:extLst>
+          </p:cNvPr>
+          <p:cNvSpPr txBox="1"/>
+          <p:nvPr/>
+        </p:nvSpPr>
+        <p:spPr>
+          <a:xfrm>
+            <a:off x="5745924" y="4217459"/>
+            <a:ext cx="1092819" cy="523220"/>
+          </a:xfrm>
+          <a:prstGeom prst="rect">
+            <a:avLst/>
+          </a:prstGeom>
+          <a:noFill/>
+        </p:spPr>
+        <p:txBody>
+          <a:bodyPr wrap="square" rtlCol="0">
+            <a:spAutoFit/>
+          </a:bodyPr>
+          <a:lstStyle/>
+          <a:p>
+            <a:r>
+              <a:rPr lang="en-US" sz="1400" i="1" dirty="0"/>
+              <a:t>Actually Poisonous</a:t>
+            </a:r>
+          </a:p>
+        </p:txBody>
+      </p:sp>
+      <p:sp>
+        <p:nvSpPr>
+          <p:cNvPr id="13" name="TextBox 12">
+            <a:extLst>
+              <a:ext uri="{FF2B5EF4-FFF2-40B4-BE49-F238E27FC236}">
+                <a16:creationId xmlns:a16="http://schemas.microsoft.com/office/drawing/2014/main" id="{85CA388A-3DC0-E64D-A332-C23A5BB73925}"/>
+              </a:ext>
+            </a:extLst>
+          </p:cNvPr>
+          <p:cNvSpPr txBox="1"/>
+          <p:nvPr/>
+        </p:nvSpPr>
+        <p:spPr>
+          <a:xfrm>
+            <a:off x="8808480" y="2059413"/>
+            <a:ext cx="1425968" cy="523220"/>
+          </a:xfrm>
+          <a:prstGeom prst="rect">
+            <a:avLst/>
+          </a:prstGeom>
+          <a:noFill/>
+        </p:spPr>
+        <p:txBody>
+          <a:bodyPr wrap="square" rtlCol="0">
+            <a:spAutoFit/>
+          </a:bodyPr>
+          <a:lstStyle/>
+          <a:p>
+            <a:r>
+              <a:rPr lang="en-US" sz="1400" i="1" dirty="0"/>
+              <a:t>Predicted Poisonous</a:t>
+            </a:r>
+          </a:p>
+        </p:txBody>
+      </p:sp>
+      <p:sp>
+        <p:nvSpPr>
+          <p:cNvPr id="14" name="TextBox 13">
+            <a:extLst>
+              <a:ext uri="{FF2B5EF4-FFF2-40B4-BE49-F238E27FC236}">
+                <a16:creationId xmlns:a16="http://schemas.microsoft.com/office/drawing/2014/main" id="{D213EA4B-FAB8-3744-A5FB-826FF5B3B15F}"/>
+              </a:ext>
+            </a:extLst>
+          </p:cNvPr>
+          <p:cNvSpPr txBox="1"/>
+          <p:nvPr/>
+        </p:nvSpPr>
+        <p:spPr>
+          <a:xfrm>
+            <a:off x="7134866" y="2059413"/>
+            <a:ext cx="1714741" cy="523220"/>
+          </a:xfrm>
+          <a:prstGeom prst="rect">
+            <a:avLst/>
+          </a:prstGeom>
+          <a:noFill/>
+        </p:spPr>
+        <p:txBody>
+          <a:bodyPr wrap="square" rtlCol="0">
+            <a:spAutoFit/>
+          </a:bodyPr>
+          <a:lstStyle/>
+          <a:p>
+            <a:r>
+              <a:rPr lang="en-US" sz="1400" i="1" dirty="0"/>
+              <a:t>Predicted Not Poisonous</a:t>
+            </a:r>
+          </a:p>
+        </p:txBody>
+      </p:sp>
+      <p:sp>
+        <p:nvSpPr>
+          <p:cNvPr id="15" name="TextBox 14">
+            <a:extLst>
+              <a:ext uri="{FF2B5EF4-FFF2-40B4-BE49-F238E27FC236}">
+                <a16:creationId xmlns:a16="http://schemas.microsoft.com/office/drawing/2014/main" id="{715E85C4-F031-4B45-B9C2-866969C6F07A}"/>
+              </a:ext>
+            </a:extLst>
+          </p:cNvPr>
+          <p:cNvSpPr txBox="1"/>
+          <p:nvPr/>
+        </p:nvSpPr>
+        <p:spPr>
+          <a:xfrm>
+            <a:off x="1664418" y="1659637"/>
+            <a:ext cx="3598975" cy="338554"/>
+          </a:xfrm>
+          <a:prstGeom prst="rect">
+            <a:avLst/>
+          </a:prstGeom>
+          <a:noFill/>
+        </p:spPr>
+        <p:txBody>
+          <a:bodyPr wrap="square" rtlCol="0">
+            <a:spAutoFit/>
+          </a:bodyPr>
+          <a:lstStyle/>
+          <a:p>
+            <a:r>
+              <a:rPr lang="en-US" sz="1600" b="1" dirty="0"/>
+              <a:t>Before Changing the Threshold</a:t>
+            </a:r>
+          </a:p>
+        </p:txBody>
+      </p:sp>
+      <p:sp>
+        <p:nvSpPr>
+          <p:cNvPr id="16" name="TextBox 15">
+            <a:extLst>
+              <a:ext uri="{FF2B5EF4-FFF2-40B4-BE49-F238E27FC236}">
+                <a16:creationId xmlns:a16="http://schemas.microsoft.com/office/drawing/2014/main" id="{E9AE6C71-9DC5-7C42-A3B2-3EAAC95CA628}"/>
+              </a:ext>
+            </a:extLst>
+          </p:cNvPr>
+          <p:cNvSpPr txBox="1"/>
+          <p:nvPr/>
+        </p:nvSpPr>
+        <p:spPr>
+          <a:xfrm>
+            <a:off x="7039009" y="1659637"/>
+            <a:ext cx="3598975" cy="338554"/>
+          </a:xfrm>
+          <a:prstGeom prst="rect">
+            <a:avLst/>
+          </a:prstGeom>
+          <a:noFill/>
+        </p:spPr>
+        <p:txBody>
+          <a:bodyPr wrap="square" rtlCol="0">
+            <a:spAutoFit/>
+          </a:bodyPr>
+          <a:lstStyle/>
+          <a:p>
+            <a:r>
+              <a:rPr lang="en-US" sz="1600" b="1" dirty="0"/>
+              <a:t>After Changing the Threshold</a:t>
             </a:r>
           </a:p>
         </p:txBody>
       </p:sp>
       <p:pic>
         <p:nvPicPr>
-          <p:cNvPr id="6" name="Content Placeholder 5">
+          <p:cNvPr id="21" name="Picture 20">
             <a:extLst>
               <a:ext uri="{FF2B5EF4-FFF2-40B4-BE49-F238E27FC236}">
-                <a16:creationId xmlns:a16="http://schemas.microsoft.com/office/drawing/2014/main" id="{D193CDFC-5EAD-D74C-9B24-9EE13D728653}"/>
+                <a16:creationId xmlns:a16="http://schemas.microsoft.com/office/drawing/2014/main" id="{0D1344BB-4E78-5146-8283-425C10EAC1E9}"/>
               </a:ext>
             </a:extLst>
           </p:cNvPr>
           <p:cNvPicPr>
-            <a:picLocks noGrp="1" noChangeAspect="1"/>
+            <a:picLocks noChangeAspect="1"/>
           </p:cNvPicPr>
-          <p:nvPr>
-            <p:ph idx="1"/>
-          </p:nvPr>
+          <p:nvPr/>
         </p:nvPicPr>
         <p:blipFill>
           <a:blip r:embed="rId2"/>
@@ -5523,8 +5436,8 @@
         </p:blipFill>
         <p:spPr>
           <a:xfrm>
-            <a:off x="7161422" y="5745064"/>
-            <a:ext cx="976122" cy="995644"/>
+            <a:off x="1594052" y="5519795"/>
+            <a:ext cx="3530600" cy="736600"/>
           </a:xfrm>
           <a:prstGeom prst="rect">
             <a:avLst/>
@@ -5533,10 +5446,10 @@
       </p:pic>
       <p:pic>
         <p:nvPicPr>
-          <p:cNvPr id="5" name="Picture 4">
+          <p:cNvPr id="22" name="Picture 21">
             <a:extLst>
               <a:ext uri="{FF2B5EF4-FFF2-40B4-BE49-F238E27FC236}">
-                <a16:creationId xmlns:a16="http://schemas.microsoft.com/office/drawing/2014/main" id="{52A67AF5-7E8F-CC4D-A878-032FCB028570}"/>
+                <a16:creationId xmlns:a16="http://schemas.microsoft.com/office/drawing/2014/main" id="{F3981486-98BA-C444-A494-F864A0BDD785}"/>
               </a:ext>
             </a:extLst>
           </p:cNvPr>
@@ -5552,9 +5465,9 @@
           </a:stretch>
         </p:blipFill>
         <p:spPr>
-          <a:xfrm rot="10800000">
-            <a:off x="9985116" y="5582468"/>
-            <a:ext cx="1099694" cy="1168966"/>
+          <a:xfrm>
+            <a:off x="7039009" y="5519795"/>
+            <a:ext cx="4013200" cy="800100"/>
           </a:xfrm>
           <a:prstGeom prst="rect">
             <a:avLst/>
@@ -5563,10 +5476,10 @@
       </p:pic>
       <p:pic>
         <p:nvPicPr>
-          <p:cNvPr id="7" name="Picture 6">
+          <p:cNvPr id="23" name="Picture 22">
             <a:extLst>
               <a:ext uri="{FF2B5EF4-FFF2-40B4-BE49-F238E27FC236}">
-                <a16:creationId xmlns:a16="http://schemas.microsoft.com/office/drawing/2014/main" id="{95DA66F6-444E-C748-A0BA-1608B9D8FE1C}"/>
+                <a16:creationId xmlns:a16="http://schemas.microsoft.com/office/drawing/2014/main" id="{0BEB6F49-5246-3743-81E5-67885F1C04A7}"/>
               </a:ext>
             </a:extLst>
           </p:cNvPr>
@@ -5582,9 +5495,9 @@
           </a:stretch>
         </p:blipFill>
         <p:spPr>
-          <a:xfrm rot="5400000">
-            <a:off x="8610837" y="5691526"/>
-            <a:ext cx="1034304" cy="1102721"/>
+          <a:xfrm>
+            <a:off x="1394875" y="2552022"/>
+            <a:ext cx="3821042" cy="2790649"/>
           </a:xfrm>
           <a:prstGeom prst="rect">
             <a:avLst/>
@@ -5593,10 +5506,10 @@
       </p:pic>
       <p:pic>
         <p:nvPicPr>
-          <p:cNvPr id="3" name="Picture 2">
+          <p:cNvPr id="26" name="Picture 25">
             <a:extLst>
               <a:ext uri="{FF2B5EF4-FFF2-40B4-BE49-F238E27FC236}">
-                <a16:creationId xmlns:a16="http://schemas.microsoft.com/office/drawing/2014/main" id="{4B838F30-F843-8F4F-B425-310F07944945}"/>
+                <a16:creationId xmlns:a16="http://schemas.microsoft.com/office/drawing/2014/main" id="{9B0C62BC-14B7-3041-B18D-5B662F320F06}"/>
               </a:ext>
             </a:extLst>
           </p:cNvPr>
@@ -5613,55 +5526,20 @@
         </p:blipFill>
         <p:spPr>
           <a:xfrm>
-            <a:off x="1069847" y="1636315"/>
-            <a:ext cx="5773134" cy="3766046"/>
+            <a:off x="6836718" y="2552022"/>
+            <a:ext cx="3801266" cy="2692563"/>
           </a:xfrm>
           <a:prstGeom prst="rect">
             <a:avLst/>
           </a:prstGeom>
         </p:spPr>
       </p:pic>
-      <p:sp>
-        <p:nvSpPr>
-          <p:cNvPr id="8" name="TextBox 7">
+      <p:pic>
+        <p:nvPicPr>
+          <p:cNvPr id="27" name="Picture 26">
             <a:extLst>
               <a:ext uri="{FF2B5EF4-FFF2-40B4-BE49-F238E27FC236}">
-                <a16:creationId xmlns:a16="http://schemas.microsoft.com/office/drawing/2014/main" id="{97E14E73-BA62-224C-87B3-D9BEF161E95F}"/>
-              </a:ext>
-            </a:extLst>
-          </p:cNvPr>
-          <p:cNvSpPr txBox="1"/>
-          <p:nvPr/>
-        </p:nvSpPr>
-        <p:spPr>
-          <a:xfrm>
-            <a:off x="3867203" y="5248472"/>
-            <a:ext cx="1099695" cy="307777"/>
-          </a:xfrm>
-          <a:prstGeom prst="rect">
-            <a:avLst/>
-          </a:prstGeom>
-          <a:noFill/>
-        </p:spPr>
-        <p:txBody>
-          <a:bodyPr wrap="square" rtlCol="0">
-            <a:spAutoFit/>
-          </a:bodyPr>
-          <a:lstStyle/>
-          <a:p>
-            <a:r>
-              <a:rPr lang="en-US" sz="1400" dirty="0"/>
-              <a:t>Epochs</a:t>
-            </a:r>
-          </a:p>
-        </p:txBody>
-      </p:sp>
-      <p:pic>
-        <p:nvPicPr>
-          <p:cNvPr id="9" name="Picture 8">
-            <a:extLst>
-              <a:ext uri="{FF2B5EF4-FFF2-40B4-BE49-F238E27FC236}">
-                <a16:creationId xmlns:a16="http://schemas.microsoft.com/office/drawing/2014/main" id="{C2182C37-9494-1C45-87CA-8C7FA69EE52D}"/>
+                <a16:creationId xmlns:a16="http://schemas.microsoft.com/office/drawing/2014/main" id="{0A46053B-A9C3-BC43-9BE6-EEE06F478D20}"/>
               </a:ext>
             </a:extLst>
           </p:cNvPr>
@@ -5671,200 +5549,25 @@
           <p:nvPr/>
         </p:nvPicPr>
         <p:blipFill>
-          <a:blip r:embed="rId6"/>
+          <a:blip r:embed="rId5"/>
           <a:stretch>
             <a:fillRect/>
           </a:stretch>
         </p:blipFill>
         <p:spPr>
           <a:xfrm>
-            <a:off x="7865569" y="1971730"/>
-            <a:ext cx="4112683" cy="3040322"/>
+            <a:off x="6818849" y="2531986"/>
+            <a:ext cx="3801266" cy="2692563"/>
           </a:xfrm>
           <a:prstGeom prst="rect">
             <a:avLst/>
           </a:prstGeom>
         </p:spPr>
       </p:pic>
-      <p:sp>
-        <p:nvSpPr>
-          <p:cNvPr id="10" name="TextBox 9">
-            <a:extLst>
-              <a:ext uri="{FF2B5EF4-FFF2-40B4-BE49-F238E27FC236}">
-                <a16:creationId xmlns:a16="http://schemas.microsoft.com/office/drawing/2014/main" id="{8E55B5AF-DAB0-F243-AC83-997346B110B8}"/>
-              </a:ext>
-            </a:extLst>
-          </p:cNvPr>
-          <p:cNvSpPr txBox="1"/>
-          <p:nvPr/>
-        </p:nvSpPr>
-        <p:spPr>
-          <a:xfrm>
-            <a:off x="8137544" y="1560956"/>
-            <a:ext cx="1714741" cy="461665"/>
-          </a:xfrm>
-          <a:prstGeom prst="rect">
-            <a:avLst/>
-          </a:prstGeom>
-          <a:noFill/>
-        </p:spPr>
-        <p:txBody>
-          <a:bodyPr wrap="square" rtlCol="0">
-            <a:spAutoFit/>
-          </a:bodyPr>
-          <a:lstStyle/>
-          <a:p>
-            <a:r>
-              <a:rPr lang="en-US" sz="1200" i="1" dirty="0"/>
-              <a:t>Predicted Not Poisonous</a:t>
-            </a:r>
-          </a:p>
-        </p:txBody>
-      </p:sp>
-      <p:sp>
-        <p:nvSpPr>
-          <p:cNvPr id="11" name="TextBox 10">
-            <a:extLst>
-              <a:ext uri="{FF2B5EF4-FFF2-40B4-BE49-F238E27FC236}">
-                <a16:creationId xmlns:a16="http://schemas.microsoft.com/office/drawing/2014/main" id="{E83C030C-C77C-A649-81F0-EE9196F69DDC}"/>
-              </a:ext>
-            </a:extLst>
-          </p:cNvPr>
-          <p:cNvSpPr txBox="1"/>
-          <p:nvPr/>
-        </p:nvSpPr>
-        <p:spPr>
-          <a:xfrm>
-            <a:off x="9715988" y="1560957"/>
-            <a:ext cx="1494065" cy="461665"/>
-          </a:xfrm>
-          <a:prstGeom prst="rect">
-            <a:avLst/>
-          </a:prstGeom>
-          <a:noFill/>
-        </p:spPr>
-        <p:txBody>
-          <a:bodyPr wrap="square" rtlCol="0">
-            <a:spAutoFit/>
-          </a:bodyPr>
-          <a:lstStyle/>
-          <a:p>
-            <a:r>
-              <a:rPr lang="en-US" sz="1200" i="1" dirty="0"/>
-              <a:t>Predicted  Poisonous</a:t>
-            </a:r>
-          </a:p>
-        </p:txBody>
-      </p:sp>
-      <p:sp>
-        <p:nvSpPr>
-          <p:cNvPr id="12" name="TextBox 11">
-            <a:extLst>
-              <a:ext uri="{FF2B5EF4-FFF2-40B4-BE49-F238E27FC236}">
-                <a16:creationId xmlns:a16="http://schemas.microsoft.com/office/drawing/2014/main" id="{C7618021-0D41-C040-9A41-12622B96D0F8}"/>
-              </a:ext>
-            </a:extLst>
-          </p:cNvPr>
-          <p:cNvSpPr txBox="1"/>
-          <p:nvPr/>
-        </p:nvSpPr>
-        <p:spPr>
-          <a:xfrm>
-            <a:off x="6937797" y="2585474"/>
-            <a:ext cx="1193180" cy="461665"/>
-          </a:xfrm>
-          <a:prstGeom prst="rect">
-            <a:avLst/>
-          </a:prstGeom>
-          <a:noFill/>
-        </p:spPr>
-        <p:txBody>
-          <a:bodyPr wrap="square" rtlCol="0">
-            <a:spAutoFit/>
-          </a:bodyPr>
-          <a:lstStyle/>
-          <a:p>
-            <a:r>
-              <a:rPr lang="en-US" sz="1200" i="1" dirty="0"/>
-              <a:t>Actually Not Poisonous</a:t>
-            </a:r>
-          </a:p>
-        </p:txBody>
-      </p:sp>
-      <p:sp>
-        <p:nvSpPr>
-          <p:cNvPr id="15" name="TextBox 14">
-            <a:extLst>
-              <a:ext uri="{FF2B5EF4-FFF2-40B4-BE49-F238E27FC236}">
-                <a16:creationId xmlns:a16="http://schemas.microsoft.com/office/drawing/2014/main" id="{FD41B61C-F44C-2740-821B-AFCA4A93A1E9}"/>
-              </a:ext>
-            </a:extLst>
-          </p:cNvPr>
-          <p:cNvSpPr txBox="1"/>
-          <p:nvPr/>
-        </p:nvSpPr>
-        <p:spPr>
-          <a:xfrm>
-            <a:off x="6971687" y="3863905"/>
-            <a:ext cx="1193180" cy="461665"/>
-          </a:xfrm>
-          <a:prstGeom prst="rect">
-            <a:avLst/>
-          </a:prstGeom>
-          <a:noFill/>
-        </p:spPr>
-        <p:txBody>
-          <a:bodyPr wrap="square" rtlCol="0">
-            <a:spAutoFit/>
-          </a:bodyPr>
-          <a:lstStyle/>
-          <a:p>
-            <a:r>
-              <a:rPr lang="en-US" sz="1200" i="1" dirty="0"/>
-              <a:t>Actually  Poisonous</a:t>
-            </a:r>
-          </a:p>
-        </p:txBody>
-      </p:sp>
-      <p:sp>
-        <p:nvSpPr>
-          <p:cNvPr id="16" name="TextBox 15">
-            <a:extLst>
-              <a:ext uri="{FF2B5EF4-FFF2-40B4-BE49-F238E27FC236}">
-                <a16:creationId xmlns:a16="http://schemas.microsoft.com/office/drawing/2014/main" id="{7FA8D5D3-8653-814B-A527-858982AABBCC}"/>
-              </a:ext>
-            </a:extLst>
-          </p:cNvPr>
-          <p:cNvSpPr txBox="1"/>
-          <p:nvPr/>
-        </p:nvSpPr>
-        <p:spPr>
-          <a:xfrm>
-            <a:off x="8665316" y="5088108"/>
-            <a:ext cx="2101344" cy="307777"/>
-          </a:xfrm>
-          <a:prstGeom prst="rect">
-            <a:avLst/>
-          </a:prstGeom>
-          <a:noFill/>
-        </p:spPr>
-        <p:txBody>
-          <a:bodyPr wrap="none" rtlCol="0">
-            <a:spAutoFit/>
-          </a:bodyPr>
-          <a:lstStyle/>
-          <a:p>
-            <a:r>
-              <a:rPr lang="en-US" sz="1400" dirty="0"/>
-              <a:t>Test Accuracy : 0.90776</a:t>
-            </a:r>
-          </a:p>
-        </p:txBody>
-      </p:sp>
     </p:spTree>
     <p:extLst>
       <p:ext uri="{BB962C8B-B14F-4D97-AF65-F5344CB8AC3E}">
-        <p14:creationId xmlns:p14="http://schemas.microsoft.com/office/powerpoint/2010/main" val="3990457954"/>
+        <p14:creationId xmlns:p14="http://schemas.microsoft.com/office/powerpoint/2010/main" val="4059130581"/>
       </p:ext>
     </p:extLst>
   </p:cSld>
@@ -5896,7 +5599,7 @@
           <p:cNvPr id="2" name="Title 1">
             <a:extLst>
               <a:ext uri="{FF2B5EF4-FFF2-40B4-BE49-F238E27FC236}">
-                <a16:creationId xmlns:a16="http://schemas.microsoft.com/office/drawing/2014/main" id="{2CA49A99-BFE6-D448-B5DF-861906C1F682}"/>
+                <a16:creationId xmlns:a16="http://schemas.microsoft.com/office/drawing/2014/main" id="{BFD8B339-DBDD-D443-8B52-4B332403754A}"/>
               </a:ext>
             </a:extLst>
           </p:cNvPr>
@@ -5914,54 +5617,369 @@
           <a:p>
             <a:r>
               <a:rPr lang="en-US" dirty="0"/>
-              <a:t>Vgg16 </a:t>
-            </a:r>
-          </a:p>
-        </p:txBody>
-      </p:sp>
-      <p:sp>
-        <p:nvSpPr>
-          <p:cNvPr id="3" name="Content Placeholder 2">
+              <a:t>Augmented Images </a:t>
+            </a:r>
+          </a:p>
+        </p:txBody>
+      </p:sp>
+      <p:pic>
+        <p:nvPicPr>
+          <p:cNvPr id="6" name="Content Placeholder 5">
             <a:extLst>
               <a:ext uri="{FF2B5EF4-FFF2-40B4-BE49-F238E27FC236}">
-                <a16:creationId xmlns:a16="http://schemas.microsoft.com/office/drawing/2014/main" id="{C4DB11F7-4526-294D-81C9-B72066C6524F}"/>
+                <a16:creationId xmlns:a16="http://schemas.microsoft.com/office/drawing/2014/main" id="{D193CDFC-5EAD-D74C-9B24-9EE13D728653}"/>
               </a:ext>
             </a:extLst>
           </p:cNvPr>
-          <p:cNvSpPr>
-            <a:spLocks noGrp="1"/>
-          </p:cNvSpPr>
+          <p:cNvPicPr>
+            <a:picLocks noGrp="1" noChangeAspect="1"/>
+          </p:cNvPicPr>
           <p:nvPr>
             <p:ph idx="1"/>
           </p:nvPr>
-        </p:nvSpPr>
-        <p:spPr>
-          <a:xfrm>
-            <a:off x="1069848" y="1731116"/>
-            <a:ext cx="10058400" cy="1102396"/>
-          </a:xfrm>
-        </p:spPr>
-        <p:txBody>
-          <a:bodyPr>
-            <a:normAutofit/>
+        </p:nvPicPr>
+        <p:blipFill>
+          <a:blip r:embed="rId2"/>
+          <a:stretch>
+            <a:fillRect/>
+          </a:stretch>
+        </p:blipFill>
+        <p:spPr>
+          <a:xfrm>
+            <a:off x="7161422" y="5745064"/>
+            <a:ext cx="976122" cy="995644"/>
+          </a:xfrm>
+          <a:prstGeom prst="rect">
+            <a:avLst/>
+          </a:prstGeom>
+        </p:spPr>
+      </p:pic>
+      <p:pic>
+        <p:nvPicPr>
+          <p:cNvPr id="5" name="Picture 4">
+            <a:extLst>
+              <a:ext uri="{FF2B5EF4-FFF2-40B4-BE49-F238E27FC236}">
+                <a16:creationId xmlns:a16="http://schemas.microsoft.com/office/drawing/2014/main" id="{52A67AF5-7E8F-CC4D-A878-032FCB028570}"/>
+              </a:ext>
+            </a:extLst>
+          </p:cNvPr>
+          <p:cNvPicPr>
+            <a:picLocks noChangeAspect="1"/>
+          </p:cNvPicPr>
+          <p:nvPr/>
+        </p:nvPicPr>
+        <p:blipFill>
+          <a:blip r:embed="rId3"/>
+          <a:stretch>
+            <a:fillRect/>
+          </a:stretch>
+        </p:blipFill>
+        <p:spPr>
+          <a:xfrm rot="10800000">
+            <a:off x="9985116" y="5582468"/>
+            <a:ext cx="1099694" cy="1168966"/>
+          </a:xfrm>
+          <a:prstGeom prst="rect">
+            <a:avLst/>
+          </a:prstGeom>
+        </p:spPr>
+      </p:pic>
+      <p:pic>
+        <p:nvPicPr>
+          <p:cNvPr id="7" name="Picture 6">
+            <a:extLst>
+              <a:ext uri="{FF2B5EF4-FFF2-40B4-BE49-F238E27FC236}">
+                <a16:creationId xmlns:a16="http://schemas.microsoft.com/office/drawing/2014/main" id="{95DA66F6-444E-C748-A0BA-1608B9D8FE1C}"/>
+              </a:ext>
+            </a:extLst>
+          </p:cNvPr>
+          <p:cNvPicPr>
+            <a:picLocks noChangeAspect="1"/>
+          </p:cNvPicPr>
+          <p:nvPr/>
+        </p:nvPicPr>
+        <p:blipFill>
+          <a:blip r:embed="rId4"/>
+          <a:stretch>
+            <a:fillRect/>
+          </a:stretch>
+        </p:blipFill>
+        <p:spPr>
+          <a:xfrm rot="5400000">
+            <a:off x="8610837" y="5691526"/>
+            <a:ext cx="1034304" cy="1102721"/>
+          </a:xfrm>
+          <a:prstGeom prst="rect">
+            <a:avLst/>
+          </a:prstGeom>
+        </p:spPr>
+      </p:pic>
+      <p:pic>
+        <p:nvPicPr>
+          <p:cNvPr id="3" name="Picture 2">
+            <a:extLst>
+              <a:ext uri="{FF2B5EF4-FFF2-40B4-BE49-F238E27FC236}">
+                <a16:creationId xmlns:a16="http://schemas.microsoft.com/office/drawing/2014/main" id="{4B838F30-F843-8F4F-B425-310F07944945}"/>
+              </a:ext>
+            </a:extLst>
+          </p:cNvPr>
+          <p:cNvPicPr>
+            <a:picLocks noChangeAspect="1"/>
+          </p:cNvPicPr>
+          <p:nvPr/>
+        </p:nvPicPr>
+        <p:blipFill>
+          <a:blip r:embed="rId5"/>
+          <a:stretch>
+            <a:fillRect/>
+          </a:stretch>
+        </p:blipFill>
+        <p:spPr>
+          <a:xfrm>
+            <a:off x="1069847" y="1636315"/>
+            <a:ext cx="5773134" cy="3766046"/>
+          </a:xfrm>
+          <a:prstGeom prst="rect">
+            <a:avLst/>
+          </a:prstGeom>
+        </p:spPr>
+      </p:pic>
+      <p:sp>
+        <p:nvSpPr>
+          <p:cNvPr id="8" name="TextBox 7">
+            <a:extLst>
+              <a:ext uri="{FF2B5EF4-FFF2-40B4-BE49-F238E27FC236}">
+                <a16:creationId xmlns:a16="http://schemas.microsoft.com/office/drawing/2014/main" id="{97E14E73-BA62-224C-87B3-D9BEF161E95F}"/>
+              </a:ext>
+            </a:extLst>
+          </p:cNvPr>
+          <p:cNvSpPr txBox="1"/>
+          <p:nvPr/>
+        </p:nvSpPr>
+        <p:spPr>
+          <a:xfrm>
+            <a:off x="3867203" y="5248472"/>
+            <a:ext cx="1099695" cy="307777"/>
+          </a:xfrm>
+          <a:prstGeom prst="rect">
+            <a:avLst/>
+          </a:prstGeom>
+          <a:noFill/>
+        </p:spPr>
+        <p:txBody>
+          <a:bodyPr wrap="square" rtlCol="0">
+            <a:spAutoFit/>
           </a:bodyPr>
           <a:lstStyle/>
           <a:p>
             <a:r>
-              <a:rPr lang="en-US" sz="1600" dirty="0"/>
-              <a:t>VGG16 is a CNN model </a:t>
-            </a:r>
-          </a:p>
-          <a:p>
-            <a:r>
-              <a:rPr lang="en-US" sz="1600" dirty="0"/>
-              <a:t>Pulled and used in the Keras pre-trained library </a:t>
-            </a:r>
-          </a:p>
-          <a:p>
-            <a:r>
-              <a:rPr lang="en-US" sz="1600" dirty="0"/>
-              <a:t>Altered to your liking such as changing the amount of outputs </a:t>
+              <a:rPr lang="en-US" sz="1400" dirty="0"/>
+              <a:t>Epochs</a:t>
+            </a:r>
+          </a:p>
+        </p:txBody>
+      </p:sp>
+      <p:pic>
+        <p:nvPicPr>
+          <p:cNvPr id="9" name="Picture 8">
+            <a:extLst>
+              <a:ext uri="{FF2B5EF4-FFF2-40B4-BE49-F238E27FC236}">
+                <a16:creationId xmlns:a16="http://schemas.microsoft.com/office/drawing/2014/main" id="{C2182C37-9494-1C45-87CA-8C7FA69EE52D}"/>
+              </a:ext>
+            </a:extLst>
+          </p:cNvPr>
+          <p:cNvPicPr>
+            <a:picLocks noChangeAspect="1"/>
+          </p:cNvPicPr>
+          <p:nvPr/>
+        </p:nvPicPr>
+        <p:blipFill>
+          <a:blip r:embed="rId6"/>
+          <a:stretch>
+            <a:fillRect/>
+          </a:stretch>
+        </p:blipFill>
+        <p:spPr>
+          <a:xfrm>
+            <a:off x="7865569" y="1971730"/>
+            <a:ext cx="4112683" cy="3040322"/>
+          </a:xfrm>
+          <a:prstGeom prst="rect">
+            <a:avLst/>
+          </a:prstGeom>
+        </p:spPr>
+      </p:pic>
+      <p:sp>
+        <p:nvSpPr>
+          <p:cNvPr id="10" name="TextBox 9">
+            <a:extLst>
+              <a:ext uri="{FF2B5EF4-FFF2-40B4-BE49-F238E27FC236}">
+                <a16:creationId xmlns:a16="http://schemas.microsoft.com/office/drawing/2014/main" id="{8E55B5AF-DAB0-F243-AC83-997346B110B8}"/>
+              </a:ext>
+            </a:extLst>
+          </p:cNvPr>
+          <p:cNvSpPr txBox="1"/>
+          <p:nvPr/>
+        </p:nvSpPr>
+        <p:spPr>
+          <a:xfrm>
+            <a:off x="8137544" y="1560956"/>
+            <a:ext cx="1714741" cy="461665"/>
+          </a:xfrm>
+          <a:prstGeom prst="rect">
+            <a:avLst/>
+          </a:prstGeom>
+          <a:noFill/>
+        </p:spPr>
+        <p:txBody>
+          <a:bodyPr wrap="square" rtlCol="0">
+            <a:spAutoFit/>
+          </a:bodyPr>
+          <a:lstStyle/>
+          <a:p>
+            <a:r>
+              <a:rPr lang="en-US" sz="1200" i="1" dirty="0"/>
+              <a:t>Predicted Not Poisonous</a:t>
+            </a:r>
+          </a:p>
+        </p:txBody>
+      </p:sp>
+      <p:sp>
+        <p:nvSpPr>
+          <p:cNvPr id="11" name="TextBox 10">
+            <a:extLst>
+              <a:ext uri="{FF2B5EF4-FFF2-40B4-BE49-F238E27FC236}">
+                <a16:creationId xmlns:a16="http://schemas.microsoft.com/office/drawing/2014/main" id="{E83C030C-C77C-A649-81F0-EE9196F69DDC}"/>
+              </a:ext>
+            </a:extLst>
+          </p:cNvPr>
+          <p:cNvSpPr txBox="1"/>
+          <p:nvPr/>
+        </p:nvSpPr>
+        <p:spPr>
+          <a:xfrm>
+            <a:off x="9715988" y="1560957"/>
+            <a:ext cx="1494065" cy="461665"/>
+          </a:xfrm>
+          <a:prstGeom prst="rect">
+            <a:avLst/>
+          </a:prstGeom>
+          <a:noFill/>
+        </p:spPr>
+        <p:txBody>
+          <a:bodyPr wrap="square" rtlCol="0">
+            <a:spAutoFit/>
+          </a:bodyPr>
+          <a:lstStyle/>
+          <a:p>
+            <a:r>
+              <a:rPr lang="en-US" sz="1200" i="1" dirty="0"/>
+              <a:t>Predicted  Poisonous</a:t>
+            </a:r>
+          </a:p>
+        </p:txBody>
+      </p:sp>
+      <p:sp>
+        <p:nvSpPr>
+          <p:cNvPr id="12" name="TextBox 11">
+            <a:extLst>
+              <a:ext uri="{FF2B5EF4-FFF2-40B4-BE49-F238E27FC236}">
+                <a16:creationId xmlns:a16="http://schemas.microsoft.com/office/drawing/2014/main" id="{C7618021-0D41-C040-9A41-12622B96D0F8}"/>
+              </a:ext>
+            </a:extLst>
+          </p:cNvPr>
+          <p:cNvSpPr txBox="1"/>
+          <p:nvPr/>
+        </p:nvSpPr>
+        <p:spPr>
+          <a:xfrm>
+            <a:off x="6937797" y="2585474"/>
+            <a:ext cx="1193180" cy="461665"/>
+          </a:xfrm>
+          <a:prstGeom prst="rect">
+            <a:avLst/>
+          </a:prstGeom>
+          <a:noFill/>
+        </p:spPr>
+        <p:txBody>
+          <a:bodyPr wrap="square" rtlCol="0">
+            <a:spAutoFit/>
+          </a:bodyPr>
+          <a:lstStyle/>
+          <a:p>
+            <a:r>
+              <a:rPr lang="en-US" sz="1200" i="1" dirty="0"/>
+              <a:t>Actually Not Poisonous</a:t>
+            </a:r>
+          </a:p>
+        </p:txBody>
+      </p:sp>
+      <p:sp>
+        <p:nvSpPr>
+          <p:cNvPr id="15" name="TextBox 14">
+            <a:extLst>
+              <a:ext uri="{FF2B5EF4-FFF2-40B4-BE49-F238E27FC236}">
+                <a16:creationId xmlns:a16="http://schemas.microsoft.com/office/drawing/2014/main" id="{FD41B61C-F44C-2740-821B-AFCA4A93A1E9}"/>
+              </a:ext>
+            </a:extLst>
+          </p:cNvPr>
+          <p:cNvSpPr txBox="1"/>
+          <p:nvPr/>
+        </p:nvSpPr>
+        <p:spPr>
+          <a:xfrm>
+            <a:off x="6971687" y="3863905"/>
+            <a:ext cx="1193180" cy="461665"/>
+          </a:xfrm>
+          <a:prstGeom prst="rect">
+            <a:avLst/>
+          </a:prstGeom>
+          <a:noFill/>
+        </p:spPr>
+        <p:txBody>
+          <a:bodyPr wrap="square" rtlCol="0">
+            <a:spAutoFit/>
+          </a:bodyPr>
+          <a:lstStyle/>
+          <a:p>
+            <a:r>
+              <a:rPr lang="en-US" sz="1200" i="1" dirty="0"/>
+              <a:t>Actually  Poisonous</a:t>
+            </a:r>
+          </a:p>
+        </p:txBody>
+      </p:sp>
+      <p:sp>
+        <p:nvSpPr>
+          <p:cNvPr id="16" name="TextBox 15">
+            <a:extLst>
+              <a:ext uri="{FF2B5EF4-FFF2-40B4-BE49-F238E27FC236}">
+                <a16:creationId xmlns:a16="http://schemas.microsoft.com/office/drawing/2014/main" id="{7FA8D5D3-8653-814B-A527-858982AABBCC}"/>
+              </a:ext>
+            </a:extLst>
+          </p:cNvPr>
+          <p:cNvSpPr txBox="1"/>
+          <p:nvPr/>
+        </p:nvSpPr>
+        <p:spPr>
+          <a:xfrm>
+            <a:off x="8665316" y="5088108"/>
+            <a:ext cx="2101344" cy="307777"/>
+          </a:xfrm>
+          <a:prstGeom prst="rect">
+            <a:avLst/>
+          </a:prstGeom>
+          <a:noFill/>
+        </p:spPr>
+        <p:txBody>
+          <a:bodyPr wrap="none" rtlCol="0">
+            <a:spAutoFit/>
+          </a:bodyPr>
+          <a:lstStyle/>
+          <a:p>
+            <a:r>
+              <a:rPr lang="en-US" sz="1400" dirty="0"/>
+              <a:t>Test Accuracy : 0.90776</a:t>
             </a:r>
           </a:p>
         </p:txBody>
@@ -5969,7 +5987,7 @@
     </p:spTree>
     <p:extLst>
       <p:ext uri="{BB962C8B-B14F-4D97-AF65-F5344CB8AC3E}">
-        <p14:creationId xmlns:p14="http://schemas.microsoft.com/office/powerpoint/2010/main" val="860578924"/>
+        <p14:creationId xmlns:p14="http://schemas.microsoft.com/office/powerpoint/2010/main" val="3990457954"/>
       </p:ext>
     </p:extLst>
   </p:cSld>
@@ -6001,6 +6019,220 @@
           <p:cNvPr id="2" name="Title 1">
             <a:extLst>
               <a:ext uri="{FF2B5EF4-FFF2-40B4-BE49-F238E27FC236}">
+                <a16:creationId xmlns:a16="http://schemas.microsoft.com/office/drawing/2014/main" id="{2CA49A99-BFE6-D448-B5DF-861906C1F682}"/>
+              </a:ext>
+            </a:extLst>
+          </p:cNvPr>
+          <p:cNvSpPr>
+            <a:spLocks noGrp="1"/>
+          </p:cNvSpPr>
+          <p:nvPr>
+            <p:ph type="title"/>
+          </p:nvPr>
+        </p:nvSpPr>
+        <p:spPr/>
+        <p:txBody>
+          <a:bodyPr/>
+          <a:lstStyle/>
+          <a:p>
+            <a:r>
+              <a:rPr lang="en-US" dirty="0"/>
+              <a:t>Vgg16 </a:t>
+            </a:r>
+          </a:p>
+        </p:txBody>
+      </p:sp>
+      <p:sp>
+        <p:nvSpPr>
+          <p:cNvPr id="3" name="Content Placeholder 2">
+            <a:extLst>
+              <a:ext uri="{FF2B5EF4-FFF2-40B4-BE49-F238E27FC236}">
+                <a16:creationId xmlns:a16="http://schemas.microsoft.com/office/drawing/2014/main" id="{C4DB11F7-4526-294D-81C9-B72066C6524F}"/>
+              </a:ext>
+            </a:extLst>
+          </p:cNvPr>
+          <p:cNvSpPr>
+            <a:spLocks noGrp="1"/>
+          </p:cNvSpPr>
+          <p:nvPr>
+            <p:ph idx="1"/>
+          </p:nvPr>
+        </p:nvSpPr>
+        <p:spPr>
+          <a:xfrm>
+            <a:off x="1069848" y="1731115"/>
+            <a:ext cx="5037441" cy="2694129"/>
+          </a:xfrm>
+        </p:spPr>
+        <p:txBody>
+          <a:bodyPr>
+            <a:normAutofit/>
+          </a:bodyPr>
+          <a:lstStyle/>
+          <a:p>
+            <a:r>
+              <a:rPr lang="en-US" sz="1600" dirty="0"/>
+              <a:t>VGG16 is a CNN model </a:t>
+            </a:r>
+          </a:p>
+          <a:p>
+            <a:r>
+              <a:rPr lang="en-US" sz="1600" dirty="0"/>
+              <a:t>Pulled and used in the Keras pre-trained library </a:t>
+            </a:r>
+          </a:p>
+          <a:p>
+            <a:r>
+              <a:rPr lang="en-US" sz="1600" dirty="0"/>
+              <a:t>Altered the the amount of my outputs to 2</a:t>
+            </a:r>
+          </a:p>
+          <a:p>
+            <a:r>
+              <a:rPr lang="en-US" sz="1600" dirty="0"/>
+              <a:t>The validation loss also showed improvement, with a validation accuracy of 95% with a validation loss of 0.04 by the 6 epochs</a:t>
+            </a:r>
+          </a:p>
+          <a:p>
+            <a:r>
+              <a:rPr lang="en-US" sz="1600" dirty="0"/>
+              <a:t>For the original CNN,  the accuracy only got up to 84% for validation accuracy with a validation loss of 0.38 by the 6 epochs </a:t>
+            </a:r>
+          </a:p>
+          <a:p>
+            <a:endParaRPr lang="en-US" sz="1600" dirty="0"/>
+          </a:p>
+        </p:txBody>
+      </p:sp>
+      <p:pic>
+        <p:nvPicPr>
+          <p:cNvPr id="5" name="Picture 4">
+            <a:extLst>
+              <a:ext uri="{FF2B5EF4-FFF2-40B4-BE49-F238E27FC236}">
+                <a16:creationId xmlns:a16="http://schemas.microsoft.com/office/drawing/2014/main" id="{B48AAAAC-E5DF-3442-AB70-17374F924149}"/>
+              </a:ext>
+            </a:extLst>
+          </p:cNvPr>
+          <p:cNvPicPr>
+            <a:picLocks noChangeAspect="1"/>
+          </p:cNvPicPr>
+          <p:nvPr/>
+        </p:nvPicPr>
+        <p:blipFill>
+          <a:blip r:embed="rId2"/>
+          <a:stretch>
+            <a:fillRect/>
+          </a:stretch>
+        </p:blipFill>
+        <p:spPr>
+          <a:xfrm>
+            <a:off x="6378222" y="394320"/>
+            <a:ext cx="4052711" cy="5927458"/>
+          </a:xfrm>
+          <a:prstGeom prst="rect">
+            <a:avLst/>
+          </a:prstGeom>
+        </p:spPr>
+      </p:pic>
+      <p:pic>
+        <p:nvPicPr>
+          <p:cNvPr id="6" name="Picture 5">
+            <a:extLst>
+              <a:ext uri="{FF2B5EF4-FFF2-40B4-BE49-F238E27FC236}">
+                <a16:creationId xmlns:a16="http://schemas.microsoft.com/office/drawing/2014/main" id="{9EB264B8-D1FB-2143-ABAB-2C2D578F5B1E}"/>
+              </a:ext>
+            </a:extLst>
+          </p:cNvPr>
+          <p:cNvPicPr>
+            <a:picLocks noChangeAspect="1"/>
+          </p:cNvPicPr>
+          <p:nvPr/>
+        </p:nvPicPr>
+        <p:blipFill>
+          <a:blip r:embed="rId3"/>
+          <a:stretch>
+            <a:fillRect/>
+          </a:stretch>
+        </p:blipFill>
+        <p:spPr>
+          <a:xfrm>
+            <a:off x="1217194" y="4891478"/>
+            <a:ext cx="4748983" cy="998127"/>
+          </a:xfrm>
+          <a:prstGeom prst="rect">
+            <a:avLst/>
+          </a:prstGeom>
+        </p:spPr>
+      </p:pic>
+      <p:sp>
+        <p:nvSpPr>
+          <p:cNvPr id="8" name="Rectangle 7">
+            <a:extLst>
+              <a:ext uri="{FF2B5EF4-FFF2-40B4-BE49-F238E27FC236}">
+                <a16:creationId xmlns:a16="http://schemas.microsoft.com/office/drawing/2014/main" id="{55A4FD1F-DA10-D249-862A-ADA695D0F1A7}"/>
+              </a:ext>
+            </a:extLst>
+          </p:cNvPr>
+          <p:cNvSpPr/>
+          <p:nvPr/>
+        </p:nvSpPr>
+        <p:spPr>
+          <a:xfrm>
+            <a:off x="1210958" y="5952446"/>
+            <a:ext cx="4755219" cy="369332"/>
+          </a:xfrm>
+          <a:prstGeom prst="rect">
+            <a:avLst/>
+          </a:prstGeom>
+        </p:spPr>
+        <p:txBody>
+          <a:bodyPr wrap="square">
+            <a:spAutoFit/>
+          </a:bodyPr>
+          <a:lstStyle/>
+          <a:p>
+            <a:r>
+              <a:rPr lang="en-US" dirty="0"/>
+              <a:t>Was able to reduce false negative to 0.9%</a:t>
+            </a:r>
+          </a:p>
+        </p:txBody>
+      </p:sp>
+    </p:spTree>
+    <p:extLst>
+      <p:ext uri="{BB962C8B-B14F-4D97-AF65-F5344CB8AC3E}">
+        <p14:creationId xmlns:p14="http://schemas.microsoft.com/office/powerpoint/2010/main" val="860578924"/>
+      </p:ext>
+    </p:extLst>
+  </p:cSld>
+  <p:clrMapOvr>
+    <a:masterClrMapping/>
+  </p:clrMapOvr>
+</p:sld>
+</file>
+
+<file path=ppt/slides/slide8.xml><?xml version="1.0" encoding="utf-8"?>
+<p:sld xmlns:a="http://schemas.openxmlformats.org/drawingml/2006/main" xmlns:r="http://schemas.openxmlformats.org/officeDocument/2006/relationships" xmlns:p="http://schemas.openxmlformats.org/presentationml/2006/main">
+  <p:cSld>
+    <p:spTree>
+      <p:nvGrpSpPr>
+        <p:cNvPr id="1" name=""/>
+        <p:cNvGrpSpPr/>
+        <p:nvPr/>
+      </p:nvGrpSpPr>
+      <p:grpSpPr>
+        <a:xfrm>
+          <a:off x="0" y="0"/>
+          <a:ext cx="0" cy="0"/>
+          <a:chOff x="0" y="0"/>
+          <a:chExt cx="0" cy="0"/>
+        </a:xfrm>
+      </p:grpSpPr>
+      <p:sp>
+        <p:nvSpPr>
+          <p:cNvPr id="2" name="Title 1">
+            <a:extLst>
+              <a:ext uri="{FF2B5EF4-FFF2-40B4-BE49-F238E27FC236}">
                 <a16:creationId xmlns:a16="http://schemas.microsoft.com/office/drawing/2014/main" id="{A9F44C0A-67CE-F348-B830-8A9016F45349}"/>
               </a:ext>
             </a:extLst>
@@ -6019,7 +6251,7 @@
           <a:p>
             <a:r>
               <a:rPr lang="en-US" dirty="0"/>
-              <a:t>Plan of action </a:t>
+              <a:t>Goals </a:t>
             </a:r>
           </a:p>
         </p:txBody>
@@ -6043,11 +6275,13 @@
         <p:spPr>
           <a:xfrm>
             <a:off x="1069848" y="2121408"/>
-            <a:ext cx="10058400" cy="1000933"/>
-          </a:xfrm>
-        </p:spPr>
-        <p:txBody>
-          <a:bodyPr/>
+            <a:ext cx="10058400" cy="2055481"/>
+          </a:xfrm>
+        </p:spPr>
+        <p:txBody>
+          <a:bodyPr>
+            <a:normAutofit/>
+          </a:bodyPr>
           <a:lstStyle/>
           <a:p>
             <a:pPr marL="457200" indent="-457200">
@@ -6056,7 +6290,7 @@
             </a:pPr>
             <a:r>
               <a:rPr lang="en-US" dirty="0"/>
-              <a:t>Add more images of the same type mushrooms</a:t>
+              <a:t>Gradually add more images of the same type of mushrooms</a:t>
             </a:r>
           </a:p>
           <a:p>
@@ -6066,7 +6300,27 @@
             </a:pPr>
             <a:r>
               <a:rPr lang="en-US" dirty="0"/>
+              <a:t>Add more family of mushrooms and more images per mushroom </a:t>
+            </a:r>
+          </a:p>
+          <a:p>
+            <a:pPr marL="457200" indent="-457200">
+              <a:buFont typeface="+mj-lt"/>
+              <a:buAutoNum type="arabicPeriod"/>
+            </a:pPr>
+            <a:r>
+              <a:rPr lang="en-US" dirty="0"/>
               <a:t>Correctly match the mushroom to the family it belongs to</a:t>
+            </a:r>
+          </a:p>
+          <a:p>
+            <a:pPr marL="457200" indent="-457200">
+              <a:buFont typeface="+mj-lt"/>
+              <a:buAutoNum type="arabicPeriod"/>
+            </a:pPr>
+            <a:r>
+              <a:rPr lang="en-US" dirty="0"/>
+              <a:t>Possibly look into the VGG 19 model with 19 layers deep compared to 16 layers </a:t>
             </a:r>
           </a:p>
           <a:p>
@@ -6102,6 +6356,142 @@
           <a:xfrm>
             <a:off x="252451" y="5252572"/>
             <a:ext cx="2524202" cy="1413070"/>
+          </a:xfrm>
+          <a:prstGeom prst="rect">
+            <a:avLst/>
+          </a:prstGeom>
+        </p:spPr>
+      </p:pic>
+      <p:sp>
+        <p:nvSpPr>
+          <p:cNvPr id="5" name="TextBox 4">
+            <a:extLst>
+              <a:ext uri="{FF2B5EF4-FFF2-40B4-BE49-F238E27FC236}">
+                <a16:creationId xmlns:a16="http://schemas.microsoft.com/office/drawing/2014/main" id="{A7E12108-BC27-B847-BED4-E61524C10F2A}"/>
+              </a:ext>
+            </a:extLst>
+          </p:cNvPr>
+          <p:cNvSpPr txBox="1"/>
+          <p:nvPr/>
+        </p:nvSpPr>
+        <p:spPr>
+          <a:xfrm>
+            <a:off x="7270044" y="6296310"/>
+            <a:ext cx="3997376" cy="369332"/>
+          </a:xfrm>
+          <a:prstGeom prst="rect">
+            <a:avLst/>
+          </a:prstGeom>
+          <a:noFill/>
+        </p:spPr>
+        <p:txBody>
+          <a:bodyPr wrap="none" rtlCol="0">
+            <a:spAutoFit/>
+          </a:bodyPr>
+          <a:lstStyle/>
+          <a:p>
+            <a:r>
+              <a:rPr lang="en-US" dirty="0">
+                <a:hlinkClick r:id="rId3"/>
+              </a:rPr>
+              <a:t>https://github.com/funcodingPanda</a:t>
+            </a:r>
+            <a:endParaRPr lang="en-US" dirty="0"/>
+          </a:p>
+        </p:txBody>
+      </p:sp>
+      <p:pic>
+        <p:nvPicPr>
+          <p:cNvPr id="6" name="Picture 5">
+            <a:extLst>
+              <a:ext uri="{FF2B5EF4-FFF2-40B4-BE49-F238E27FC236}">
+                <a16:creationId xmlns:a16="http://schemas.microsoft.com/office/drawing/2014/main" id="{3ECD9C7B-34A6-984C-A004-68B1328A1BF6}"/>
+              </a:ext>
+            </a:extLst>
+          </p:cNvPr>
+          <p:cNvPicPr>
+            <a:picLocks noChangeAspect="1"/>
+          </p:cNvPicPr>
+          <p:nvPr/>
+        </p:nvPicPr>
+        <p:blipFill>
+          <a:blip r:embed="rId4"/>
+          <a:stretch>
+            <a:fillRect/>
+          </a:stretch>
+        </p:blipFill>
+        <p:spPr>
+          <a:xfrm rot="10800000" flipV="1">
+            <a:off x="6706305" y="6296310"/>
+            <a:ext cx="563739" cy="450991"/>
+          </a:xfrm>
+          <a:prstGeom prst="rect">
+            <a:avLst/>
+          </a:prstGeom>
+        </p:spPr>
+      </p:pic>
+      <p:sp>
+        <p:nvSpPr>
+          <p:cNvPr id="7" name="TextBox 6">
+            <a:extLst>
+              <a:ext uri="{FF2B5EF4-FFF2-40B4-BE49-F238E27FC236}">
+                <a16:creationId xmlns:a16="http://schemas.microsoft.com/office/drawing/2014/main" id="{B47CA386-6C7D-A349-A897-376886717036}"/>
+              </a:ext>
+            </a:extLst>
+          </p:cNvPr>
+          <p:cNvSpPr txBox="1"/>
+          <p:nvPr/>
+        </p:nvSpPr>
+        <p:spPr>
+          <a:xfrm>
+            <a:off x="3474375" y="6304709"/>
+            <a:ext cx="2601931" cy="369332"/>
+          </a:xfrm>
+          <a:prstGeom prst="rect">
+            <a:avLst/>
+          </a:prstGeom>
+          <a:noFill/>
+        </p:spPr>
+        <p:txBody>
+          <a:bodyPr wrap="none" rtlCol="0">
+            <a:spAutoFit/>
+          </a:bodyPr>
+          <a:lstStyle/>
+          <a:p>
+            <a:r>
+              <a:rPr lang="en-US" dirty="0">
+                <a:hlinkClick r:id="rId5"/>
+              </a:rPr>
+              <a:t>http://sophiengo.com/</a:t>
+            </a:r>
+            <a:endParaRPr lang="en-US" dirty="0"/>
+          </a:p>
+        </p:txBody>
+      </p:sp>
+      <p:pic>
+        <p:nvPicPr>
+          <p:cNvPr id="8" name="Picture 7">
+            <a:extLst>
+              <a:ext uri="{FF2B5EF4-FFF2-40B4-BE49-F238E27FC236}">
+                <a16:creationId xmlns:a16="http://schemas.microsoft.com/office/drawing/2014/main" id="{0FEED62F-1E6E-9D4A-AF2A-2E0673BB5CB2}"/>
+              </a:ext>
+            </a:extLst>
+          </p:cNvPr>
+          <p:cNvPicPr>
+            <a:picLocks noChangeAspect="1"/>
+          </p:cNvPicPr>
+          <p:nvPr/>
+        </p:nvPicPr>
+        <p:blipFill>
+          <a:blip r:embed="rId6"/>
+          <a:stretch>
+            <a:fillRect/>
+          </a:stretch>
+        </p:blipFill>
+        <p:spPr>
+          <a:xfrm>
+            <a:off x="2939980" y="6265016"/>
+            <a:ext cx="638598" cy="592984"/>
           </a:xfrm>
           <a:prstGeom prst="rect">
             <a:avLst/>
